--- a/English/6.Visuals/12.The ArcGis .pptx
+++ b/English/6.Visuals/12.The ArcGis .pptx
@@ -19,7 +19,7 @@
   <p:notesSz cx="6858000" cy="9144000"/>
   <p:defaultTextStyle>
     <a:defPPr>
-      <a:defRPr lang="en-US"/>
+      <a:defRPr lang="en"/>
     </a:defPPr>
     <a:lvl1pPr marL="0" algn="l" defTabSz="914400" rtl="0" eaLnBrk="1" latinLnBrk="0" hangingPunct="1">
       <a:defRPr sz="1800" kern="1200">
@@ -202,7 +202,7 @@
           <a:p>
             <a:fld id="{056BA3B8-9F76-4D81-B71D-76CB85363062}" type="datetimeFigureOut">
               <a:rPr lang="en-US" smtClean="0"/>
-              <a:t>1/4/2025</a:t>
+              <a:t>4/3/2025</a:t>
             </a:fld>
             <a:endParaRPr lang="en-US"/>
           </a:p>
@@ -601,7 +601,7 @@
           <a:p>
             <a:fld id="{6F01DA4D-20EA-48D2-973C-0311EC3005D6}" type="datetimeFigureOut">
               <a:rPr lang="en-US" smtClean="0"/>
-              <a:t>1/4/2025</a:t>
+              <a:t>4/3/2025</a:t>
             </a:fld>
             <a:endParaRPr lang="en-US"/>
           </a:p>
@@ -771,7 +771,7 @@
           <a:p>
             <a:fld id="{6F01DA4D-20EA-48D2-973C-0311EC3005D6}" type="datetimeFigureOut">
               <a:rPr lang="en-US" smtClean="0"/>
-              <a:t>1/4/2025</a:t>
+              <a:t>4/3/2025</a:t>
             </a:fld>
             <a:endParaRPr lang="en-US"/>
           </a:p>
@@ -951,7 +951,7 @@
           <a:p>
             <a:fld id="{6F01DA4D-20EA-48D2-973C-0311EC3005D6}" type="datetimeFigureOut">
               <a:rPr lang="en-US" smtClean="0"/>
-              <a:t>1/4/2025</a:t>
+              <a:t>4/3/2025</a:t>
             </a:fld>
             <a:endParaRPr lang="en-US"/>
           </a:p>
@@ -1121,7 +1121,7 @@
           <a:p>
             <a:fld id="{6F01DA4D-20EA-48D2-973C-0311EC3005D6}" type="datetimeFigureOut">
               <a:rPr lang="en-US" smtClean="0"/>
-              <a:t>1/4/2025</a:t>
+              <a:t>4/3/2025</a:t>
             </a:fld>
             <a:endParaRPr lang="en-US"/>
           </a:p>
@@ -1367,7 +1367,7 @@
           <a:p>
             <a:fld id="{6F01DA4D-20EA-48D2-973C-0311EC3005D6}" type="datetimeFigureOut">
               <a:rPr lang="en-US" smtClean="0"/>
-              <a:t>1/4/2025</a:t>
+              <a:t>4/3/2025</a:t>
             </a:fld>
             <a:endParaRPr lang="en-US"/>
           </a:p>
@@ -1599,7 +1599,7 @@
           <a:p>
             <a:fld id="{6F01DA4D-20EA-48D2-973C-0311EC3005D6}" type="datetimeFigureOut">
               <a:rPr lang="en-US" smtClean="0"/>
-              <a:t>1/4/2025</a:t>
+              <a:t>4/3/2025</a:t>
             </a:fld>
             <a:endParaRPr lang="en-US"/>
           </a:p>
@@ -1966,7 +1966,7 @@
           <a:p>
             <a:fld id="{6F01DA4D-20EA-48D2-973C-0311EC3005D6}" type="datetimeFigureOut">
               <a:rPr lang="en-US" smtClean="0"/>
-              <a:t>1/4/2025</a:t>
+              <a:t>4/3/2025</a:t>
             </a:fld>
             <a:endParaRPr lang="en-US"/>
           </a:p>
@@ -2084,7 +2084,7 @@
           <a:p>
             <a:fld id="{6F01DA4D-20EA-48D2-973C-0311EC3005D6}" type="datetimeFigureOut">
               <a:rPr lang="en-US" smtClean="0"/>
-              <a:t>1/4/2025</a:t>
+              <a:t>4/3/2025</a:t>
             </a:fld>
             <a:endParaRPr lang="en-US"/>
           </a:p>
@@ -2179,7 +2179,7 @@
           <a:p>
             <a:fld id="{6F01DA4D-20EA-48D2-973C-0311EC3005D6}" type="datetimeFigureOut">
               <a:rPr lang="en-US" smtClean="0"/>
-              <a:t>1/4/2025</a:t>
+              <a:t>4/3/2025</a:t>
             </a:fld>
             <a:endParaRPr lang="en-US"/>
           </a:p>
@@ -2456,7 +2456,7 @@
           <a:p>
             <a:fld id="{6F01DA4D-20EA-48D2-973C-0311EC3005D6}" type="datetimeFigureOut">
               <a:rPr lang="en-US" smtClean="0"/>
-              <a:t>1/4/2025</a:t>
+              <a:t>4/3/2025</a:t>
             </a:fld>
             <a:endParaRPr lang="en-US"/>
           </a:p>
@@ -2709,7 +2709,7 @@
           <a:p>
             <a:fld id="{6F01DA4D-20EA-48D2-973C-0311EC3005D6}" type="datetimeFigureOut">
               <a:rPr lang="en-US" smtClean="0"/>
-              <a:t>1/4/2025</a:t>
+              <a:t>4/3/2025</a:t>
             </a:fld>
             <a:endParaRPr lang="en-US"/>
           </a:p>
@@ -2922,7 +2922,7 @@
           <a:p>
             <a:fld id="{6F01DA4D-20EA-48D2-973C-0311EC3005D6}" type="datetimeFigureOut">
               <a:rPr lang="en-US" smtClean="0"/>
-              <a:t>1/4/2025</a:t>
+              <a:t>4/3/2025</a:t>
             </a:fld>
             <a:endParaRPr lang="en-US"/>
           </a:p>
@@ -3343,7 +3343,7 @@
         </p:nvSpPr>
         <p:spPr>
           <a:xfrm>
-            <a:off x="1934228" y="2488611"/>
+            <a:off x="2284862" y="2571113"/>
             <a:ext cx="7216645" cy="1323439"/>
           </a:xfrm>
           <a:prstGeom prst="rect">
@@ -3359,7 +3359,7 @@
           <a:p>
             <a:pPr algn="ctr"/>
             <a:r>
-              <a:rPr lang="fr-FR" sz="8000" b="1" dirty="0" smtClean="0">
+              <a:rPr lang="en" sz="8000" b="1" dirty="0" smtClean="0">
                 <a:solidFill>
                   <a:srgbClr val="7030A0"/>
                 </a:solidFill>
@@ -3367,18 +3367,7 @@
                 <a:ea typeface="Verdana" panose="020B0604030504040204" pitchFamily="34" charset="0"/>
                 <a:cs typeface="Segoe UI" panose="020B0502040204020203" pitchFamily="34" charset="0"/>
               </a:rPr>
-              <a:t>The </a:t>
-            </a:r>
-            <a:r>
-              <a:rPr lang="fr-FR" sz="8000" b="1" dirty="0" err="1" smtClean="0">
-                <a:solidFill>
-                  <a:srgbClr val="7030A0"/>
-                </a:solidFill>
-                <a:latin typeface="Segoe UI" panose="020B0502040204020203" pitchFamily="34" charset="0"/>
-                <a:ea typeface="Verdana" panose="020B0604030504040204" pitchFamily="34" charset="0"/>
-                <a:cs typeface="Segoe UI" panose="020B0502040204020203" pitchFamily="34" charset="0"/>
-              </a:rPr>
-              <a:t>ArcGis</a:t>
+              <a:t>ArcGIS</a:t>
             </a:r>
             <a:endParaRPr lang="en-US" sz="8000" b="1" dirty="0">
               <a:solidFill>
@@ -3399,7 +3388,7 @@
         </p:nvSpPr>
         <p:spPr>
           <a:xfrm>
-            <a:off x="1865477" y="2416458"/>
+            <a:off x="2216111" y="2498960"/>
             <a:ext cx="7216645" cy="1323439"/>
           </a:xfrm>
           <a:prstGeom prst="rect">
@@ -3415,7 +3404,7 @@
           <a:p>
             <a:pPr algn="ctr"/>
             <a:r>
-              <a:rPr lang="fr-FR" sz="8000" b="1" dirty="0" smtClean="0">
+              <a:rPr lang="en" sz="8000" b="1" dirty="0" smtClean="0">
                 <a:solidFill>
                   <a:schemeClr val="bg1"/>
                 </a:solidFill>
@@ -3423,18 +3412,7 @@
                 <a:ea typeface="Verdana" panose="020B0604030504040204" pitchFamily="34" charset="0"/>
                 <a:cs typeface="Segoe UI" panose="020B0502040204020203" pitchFamily="34" charset="0"/>
               </a:rPr>
-              <a:t>The </a:t>
-            </a:r>
-            <a:r>
-              <a:rPr lang="fr-FR" sz="8000" b="1" dirty="0" err="1" smtClean="0">
-                <a:solidFill>
-                  <a:schemeClr val="bg1"/>
-                </a:solidFill>
-                <a:latin typeface="Segoe UI" panose="020B0502040204020203" pitchFamily="34" charset="0"/>
-                <a:ea typeface="Verdana" panose="020B0604030504040204" pitchFamily="34" charset="0"/>
-                <a:cs typeface="Segoe UI" panose="020B0502040204020203" pitchFamily="34" charset="0"/>
-              </a:rPr>
-              <a:t>ArcGis</a:t>
+              <a:t>ArcGIS</a:t>
             </a:r>
             <a:endParaRPr lang="en-US" sz="8000" b="1" dirty="0">
               <a:solidFill>
@@ -3500,18 +3478,11 @@
           <a:lstStyle/>
           <a:p>
             <a:r>
-              <a:rPr lang="en-US" sz="2400" dirty="0" smtClean="0">
+              <a:rPr lang="en" sz="2400" dirty="0" smtClean="0">
                 <a:latin typeface="Segoe UI" panose="020B0502040204020203" pitchFamily="34" charset="0"/>
                 <a:cs typeface="Segoe UI" panose="020B0502040204020203" pitchFamily="34" charset="0"/>
               </a:rPr>
-              <a:t>The </a:t>
-            </a:r>
-            <a:r>
-              <a:rPr lang="en-US" sz="2400" dirty="0" err="1" smtClean="0">
-                <a:latin typeface="Segoe UI" panose="020B0502040204020203" pitchFamily="34" charset="0"/>
-                <a:cs typeface="Segoe UI" panose="020B0502040204020203" pitchFamily="34" charset="0"/>
-              </a:rPr>
-              <a:t>ArcGis</a:t>
+              <a:t>ArcGIS</a:t>
             </a:r>
             <a:endParaRPr lang="en-US" sz="2400" dirty="0">
               <a:latin typeface="Segoe UI" panose="020B0502040204020203" pitchFamily="34" charset="0"/>
@@ -3553,7 +3524,7 @@
               </a:spcAft>
             </a:pPr>
             <a:r>
-              <a:rPr lang="fr-FR" b="1" kern="0" dirty="0">
+              <a:rPr lang="en" b="1" kern="0" dirty="0">
                 <a:latin typeface="Segoe UI" panose="020B0502040204020203" pitchFamily="34" charset="0"/>
                 <a:ea typeface="Times New Roman" panose="02020603050405020304" pitchFamily="18" charset="0"/>
                 <a:cs typeface="Times New Roman" panose="02020603050405020304" pitchFamily="18" charset="0"/>
@@ -3561,7 +3532,7 @@
               <a:t>Note: </a:t>
             </a:r>
             <a:r>
-              <a:rPr lang="fr-FR" kern="0" dirty="0">
+              <a:rPr lang="en" kern="0" dirty="0">
                 <a:latin typeface="Segoe UI" panose="020B0502040204020203" pitchFamily="34" charset="0"/>
                 <a:ea typeface="Times New Roman" panose="02020603050405020304" pitchFamily="18" charset="0"/>
                 <a:cs typeface="Times New Roman" panose="02020603050405020304" pitchFamily="18" charset="0"/>
@@ -3569,7 +3540,7 @@
               <a:t>To </a:t>
             </a:r>
             <a:r>
-              <a:rPr lang="fr-FR" kern="0" dirty="0" err="1">
+              <a:rPr lang="en" kern="0" dirty="0" err="1">
                 <a:latin typeface="Segoe UI" panose="020B0502040204020203" pitchFamily="34" charset="0"/>
                 <a:ea typeface="Times New Roman" panose="02020603050405020304" pitchFamily="18" charset="0"/>
                 <a:cs typeface="Times New Roman" panose="02020603050405020304" pitchFamily="18" charset="0"/>
@@ -3577,7 +3548,7 @@
               <a:t>complete</a:t>
             </a:r>
             <a:r>
-              <a:rPr lang="fr-FR" kern="0" dirty="0">
+              <a:rPr lang="en" kern="0" dirty="0">
                 <a:latin typeface="Segoe UI" panose="020B0502040204020203" pitchFamily="34" charset="0"/>
                 <a:ea typeface="Times New Roman" panose="02020603050405020304" pitchFamily="18" charset="0"/>
                 <a:cs typeface="Times New Roman" panose="02020603050405020304" pitchFamily="18" charset="0"/>
@@ -3585,15 +3556,15 @@
               <a:t> </a:t>
             </a:r>
             <a:r>
-              <a:rPr lang="fr-FR" kern="0" dirty="0" err="1">
+              <a:rPr lang="en" kern="0" dirty="0" err="1">
                 <a:latin typeface="Segoe UI" panose="020B0502040204020203" pitchFamily="34" charset="0"/>
                 <a:ea typeface="Times New Roman" panose="02020603050405020304" pitchFamily="18" charset="0"/>
                 <a:cs typeface="Times New Roman" panose="02020603050405020304" pitchFamily="18" charset="0"/>
               </a:rPr>
-              <a:t>this</a:t>
-            </a:r>
-            <a:r>
-              <a:rPr lang="fr-FR" kern="0" dirty="0">
+              <a:t>This</a:t>
+            </a:r>
+            <a:r>
+              <a:rPr lang="en" kern="0" dirty="0">
                 <a:latin typeface="Segoe UI" panose="020B0502040204020203" pitchFamily="34" charset="0"/>
                 <a:ea typeface="Times New Roman" panose="02020603050405020304" pitchFamily="18" charset="0"/>
                 <a:cs typeface="Times New Roman" panose="02020603050405020304" pitchFamily="18" charset="0"/>
@@ -3601,15 +3572,15 @@
               <a:t> </a:t>
             </a:r>
             <a:r>
-              <a:rPr lang="fr-FR" kern="0" dirty="0" err="1">
+              <a:rPr lang="en" kern="0" dirty="0" err="1">
                 <a:latin typeface="Segoe UI" panose="020B0502040204020203" pitchFamily="34" charset="0"/>
                 <a:ea typeface="Times New Roman" panose="02020603050405020304" pitchFamily="18" charset="0"/>
                 <a:cs typeface="Times New Roman" panose="02020603050405020304" pitchFamily="18" charset="0"/>
               </a:rPr>
-              <a:t>lab</a:t>
-            </a:r>
-            <a:r>
-              <a:rPr lang="fr-FR" kern="0" dirty="0">
+              <a:t>laboratory</a:t>
+            </a:r>
+            <a:r>
+              <a:rPr lang="en" kern="0" dirty="0">
                 <a:latin typeface="Segoe UI" panose="020B0502040204020203" pitchFamily="34" charset="0"/>
                 <a:ea typeface="Times New Roman" panose="02020603050405020304" pitchFamily="18" charset="0"/>
                 <a:cs typeface="Times New Roman" panose="02020603050405020304" pitchFamily="18" charset="0"/>
@@ -3617,23 +3588,23 @@
               <a:t> </a:t>
             </a:r>
             <a:r>
-              <a:rPr lang="fr-FR" kern="0" dirty="0" err="1">
+              <a:rPr lang="en" kern="0" dirty="0" err="1">
                 <a:latin typeface="Segoe UI" panose="020B0502040204020203" pitchFamily="34" charset="0"/>
                 <a:ea typeface="Times New Roman" panose="02020603050405020304" pitchFamily="18" charset="0"/>
                 <a:cs typeface="Times New Roman" panose="02020603050405020304" pitchFamily="18" charset="0"/>
               </a:rPr>
-              <a:t>you</a:t>
-            </a:r>
-            <a:r>
-              <a:rPr lang="fr-FR" kern="0" dirty="0">
+              <a:t>you </a:t>
+            </a:r>
+            <a:r>
+              <a:rPr lang="en" kern="0" dirty="0">
                 <a:latin typeface="Segoe UI" panose="020B0502040204020203" pitchFamily="34" charset="0"/>
                 <a:ea typeface="Times New Roman" panose="02020603050405020304" pitchFamily="18" charset="0"/>
                 <a:cs typeface="Times New Roman" panose="02020603050405020304" pitchFamily="18" charset="0"/>
               </a:rPr>
-              <a:t> must </a:t>
-            </a:r>
-            <a:r>
-              <a:rPr lang="fr-FR" kern="0" dirty="0" err="1">
+              <a:t>must </a:t>
+            </a:r>
+            <a:r>
+              <a:rPr lang="en" kern="0" dirty="0" err="1">
                 <a:latin typeface="Segoe UI" panose="020B0502040204020203" pitchFamily="34" charset="0"/>
                 <a:ea typeface="Times New Roman" panose="02020603050405020304" pitchFamily="18" charset="0"/>
                 <a:cs typeface="Times New Roman" panose="02020603050405020304" pitchFamily="18" charset="0"/>
@@ -3641,7 +3612,7 @@
               <a:t>be</a:t>
             </a:r>
             <a:r>
-              <a:rPr lang="fr-FR" kern="0" dirty="0">
+              <a:rPr lang="en" kern="0" dirty="0">
                 <a:latin typeface="Segoe UI" panose="020B0502040204020203" pitchFamily="34" charset="0"/>
                 <a:ea typeface="Times New Roman" panose="02020603050405020304" pitchFamily="18" charset="0"/>
                 <a:cs typeface="Times New Roman" panose="02020603050405020304" pitchFamily="18" charset="0"/>
@@ -3649,39 +3620,39 @@
               <a:t> </a:t>
             </a:r>
             <a:r>
-              <a:rPr lang="fr-FR" kern="0" dirty="0" err="1">
+              <a:rPr lang="en" kern="0" dirty="0" err="1">
                 <a:latin typeface="Segoe UI" panose="020B0502040204020203" pitchFamily="34" charset="0"/>
                 <a:ea typeface="Times New Roman" panose="02020603050405020304" pitchFamily="18" charset="0"/>
                 <a:cs typeface="Times New Roman" panose="02020603050405020304" pitchFamily="18" charset="0"/>
               </a:rPr>
-              <a:t>connected</a:t>
-            </a:r>
-            <a:r>
-              <a:rPr lang="fr-FR" kern="0" dirty="0">
+              <a:t>connected </a:t>
+            </a:r>
+            <a:r>
+              <a:rPr lang="en" kern="0" dirty="0">
                 <a:latin typeface="Segoe UI" panose="020B0502040204020203" pitchFamily="34" charset="0"/>
                 <a:ea typeface="Times New Roman" panose="02020603050405020304" pitchFamily="18" charset="0"/>
                 <a:cs typeface="Times New Roman" panose="02020603050405020304" pitchFamily="18" charset="0"/>
               </a:rPr>
-              <a:t> to the internet and have an </a:t>
-            </a:r>
-            <a:r>
-              <a:rPr lang="fr-FR" kern="0" dirty="0" err="1">
+              <a:t>to the Internet and have an </a:t>
+            </a:r>
+            <a:r>
+              <a:rPr lang="en" kern="0" dirty="0" err="1">
                 <a:latin typeface="Segoe UI" panose="020B0502040204020203" pitchFamily="34" charset="0"/>
                 <a:ea typeface="Times New Roman" panose="02020603050405020304" pitchFamily="18" charset="0"/>
                 <a:cs typeface="Times New Roman" panose="02020603050405020304" pitchFamily="18" charset="0"/>
               </a:rPr>
-              <a:t>account</a:t>
-            </a:r>
-            <a:r>
-              <a:rPr lang="fr-FR" kern="0" dirty="0">
+              <a:t>account </a:t>
+            </a:r>
+            <a:r>
+              <a:rPr lang="en" kern="0" dirty="0">
                 <a:latin typeface="Segoe UI" panose="020B0502040204020203" pitchFamily="34" charset="0"/>
                 <a:ea typeface="Times New Roman" panose="02020603050405020304" pitchFamily="18" charset="0"/>
                 <a:cs typeface="Times New Roman" panose="02020603050405020304" pitchFamily="18" charset="0"/>
               </a:rPr>
-              <a:t> at </a:t>
-            </a:r>
-            <a:r>
-              <a:rPr lang="fr-FR" u="sng" kern="0" dirty="0">
+              <a:t>at </a:t>
+            </a:r>
+            <a:r>
+              <a:rPr lang="en" u="sng" kern="0" dirty="0">
                 <a:solidFill>
                   <a:srgbClr val="0563C1"/>
                 </a:solidFill>
@@ -3723,7 +3694,7 @@
               </a:spcAft>
             </a:pPr>
             <a:r>
-              <a:rPr lang="fr-FR" dirty="0" smtClean="0">
+              <a:rPr lang="en" dirty="0" smtClean="0">
                 <a:latin typeface="Segoe UI" panose="020B0502040204020203" pitchFamily="34" charset="0"/>
                 <a:ea typeface="Calibri" panose="020F0502020204030204" pitchFamily="34" charset="0"/>
                 <a:cs typeface="Times New Roman" panose="02020603050405020304" pitchFamily="18" charset="0"/>
@@ -3731,31 +3702,15 @@
               <a:t>You </a:t>
             </a:r>
             <a:r>
-              <a:rPr lang="fr-FR" dirty="0">
+              <a:rPr lang="en" dirty="0">
                 <a:latin typeface="Segoe UI" panose="020B0502040204020203" pitchFamily="34" charset="0"/>
                 <a:ea typeface="Calibri" panose="020F0502020204030204" pitchFamily="34" charset="0"/>
                 <a:cs typeface="Times New Roman" panose="02020603050405020304" pitchFamily="18" charset="0"/>
               </a:rPr>
-              <a:t>must </a:t>
-            </a:r>
-            <a:r>
-              <a:rPr lang="fr-FR" dirty="0" err="1">
-                <a:latin typeface="Segoe UI" panose="020B0502040204020203" pitchFamily="34" charset="0"/>
-                <a:ea typeface="Calibri" panose="020F0502020204030204" pitchFamily="34" charset="0"/>
-                <a:cs typeface="Times New Roman" panose="02020603050405020304" pitchFamily="18" charset="0"/>
-              </a:rPr>
-              <a:t>create</a:t>
-            </a:r>
-            <a:r>
-              <a:rPr lang="fr-FR" dirty="0">
-                <a:latin typeface="Segoe UI" panose="020B0502040204020203" pitchFamily="34" charset="0"/>
-                <a:ea typeface="Calibri" panose="020F0502020204030204" pitchFamily="34" charset="0"/>
-                <a:cs typeface="Times New Roman" panose="02020603050405020304" pitchFamily="18" charset="0"/>
-              </a:rPr>
-              <a:t> a 21-day trial </a:t>
-            </a:r>
-            <a:r>
-              <a:rPr lang="fr-FR" dirty="0" err="1">
+              <a:t>must create a 21-day trial </a:t>
+            </a:r>
+            <a:r>
+              <a:rPr lang="en" dirty="0" err="1">
                 <a:latin typeface="Segoe UI" panose="020B0502040204020203" pitchFamily="34" charset="0"/>
                 <a:ea typeface="Calibri" panose="020F0502020204030204" pitchFamily="34" charset="0"/>
                 <a:cs typeface="Times New Roman" panose="02020603050405020304" pitchFamily="18" charset="0"/>
@@ -3778,7 +3733,7 @@
               </a:spcAft>
             </a:pPr>
             <a:r>
-              <a:rPr lang="fr-FR" dirty="0">
+              <a:rPr lang="en" dirty="0">
                 <a:latin typeface="Segoe UI" panose="020B0502040204020203" pitchFamily="34" charset="0"/>
                 <a:ea typeface="Calibri" panose="020F0502020204030204" pitchFamily="34" charset="0"/>
                 <a:cs typeface="Times New Roman" panose="02020603050405020304" pitchFamily="18" charset="0"/>
@@ -3786,39 +3741,39 @@
               <a:t>Or </a:t>
             </a:r>
             <a:r>
-              <a:rPr lang="fr-FR" dirty="0" err="1">
+              <a:rPr lang="en" dirty="0" err="1">
                 <a:latin typeface="Segoe UI" panose="020B0502040204020203" pitchFamily="34" charset="0"/>
                 <a:ea typeface="Calibri" panose="020F0502020204030204" pitchFamily="34" charset="0"/>
                 <a:cs typeface="Times New Roman" panose="02020603050405020304" pitchFamily="18" charset="0"/>
               </a:rPr>
-              <a:t>sign</a:t>
-            </a:r>
-            <a:r>
-              <a:rPr lang="fr-FR" dirty="0">
+              <a:t>sign in </a:t>
+            </a:r>
+            <a:r>
+              <a:rPr lang="en" dirty="0">
                 <a:latin typeface="Segoe UI" panose="020B0502040204020203" pitchFamily="34" charset="0"/>
                 <a:ea typeface="Calibri" panose="020F0502020204030204" pitchFamily="34" charset="0"/>
                 <a:cs typeface="Times New Roman" panose="02020603050405020304" pitchFamily="18" charset="0"/>
               </a:rPr>
-              <a:t> in </a:t>
-            </a:r>
-            <a:r>
-              <a:rPr lang="fr-FR" dirty="0" err="1">
+              <a:t>with </a:t>
+            </a:r>
+            <a:r>
+              <a:rPr lang="en" dirty="0" err="1">
                 <a:latin typeface="Segoe UI" panose="020B0502040204020203" pitchFamily="34" charset="0"/>
                 <a:ea typeface="Calibri" panose="020F0502020204030204" pitchFamily="34" charset="0"/>
                 <a:cs typeface="Times New Roman" panose="02020603050405020304" pitchFamily="18" charset="0"/>
               </a:rPr>
-              <a:t>with</a:t>
-            </a:r>
-            <a:r>
-              <a:rPr lang="fr-FR" dirty="0">
+              <a:t>a </a:t>
+            </a:r>
+            <a:r>
+              <a:rPr lang="en" dirty="0">
                 <a:latin typeface="Segoe UI" panose="020B0502040204020203" pitchFamily="34" charset="0"/>
                 <a:ea typeface="Calibri" panose="020F0502020204030204" pitchFamily="34" charset="0"/>
                 <a:cs typeface="Times New Roman" panose="02020603050405020304" pitchFamily="18" charset="0"/>
               </a:rPr>
-              <a:t> a Microsoft </a:t>
-            </a:r>
-            <a:r>
-              <a:rPr lang="fr-FR" dirty="0" err="1">
+              <a:t>Microsoft </a:t>
+            </a:r>
+            <a:r>
+              <a:rPr lang="en" dirty="0" err="1">
                 <a:latin typeface="Segoe UI" panose="020B0502040204020203" pitchFamily="34" charset="0"/>
                 <a:ea typeface="Calibri" panose="020F0502020204030204" pitchFamily="34" charset="0"/>
                 <a:cs typeface="Times New Roman" panose="02020603050405020304" pitchFamily="18" charset="0"/>
@@ -3921,18 +3876,11 @@
           <a:lstStyle/>
           <a:p>
             <a:r>
-              <a:rPr lang="en-US" sz="2400" dirty="0" smtClean="0">
+              <a:rPr lang="en" sz="2400" dirty="0" smtClean="0">
                 <a:latin typeface="Segoe UI" panose="020B0502040204020203" pitchFamily="34" charset="0"/>
                 <a:cs typeface="Segoe UI" panose="020B0502040204020203" pitchFamily="34" charset="0"/>
               </a:rPr>
-              <a:t>The </a:t>
-            </a:r>
-            <a:r>
-              <a:rPr lang="en-US" sz="2400" dirty="0" err="1" smtClean="0">
-                <a:latin typeface="Segoe UI" panose="020B0502040204020203" pitchFamily="34" charset="0"/>
-                <a:cs typeface="Segoe UI" panose="020B0502040204020203" pitchFamily="34" charset="0"/>
-              </a:rPr>
-              <a:t>ArcGis</a:t>
+              <a:t>ArcGIS</a:t>
             </a:r>
             <a:endParaRPr lang="en-US" sz="2400" dirty="0">
               <a:latin typeface="Segoe UI" panose="020B0502040204020203" pitchFamily="34" charset="0"/>
@@ -3971,7 +3919,7 @@
               </a:spcAft>
             </a:pPr>
             <a:r>
-              <a:rPr lang="fr-FR" dirty="0">
+              <a:rPr lang="en" dirty="0">
                 <a:latin typeface="Segoe UI" panose="020B0502040204020203" pitchFamily="34" charset="0"/>
                 <a:ea typeface="Calibri" panose="020F0502020204030204" pitchFamily="34" charset="0"/>
                 <a:cs typeface="Times New Roman" panose="02020603050405020304" pitchFamily="18" charset="0"/>
@@ -3979,7 +3927,7 @@
               <a:t>Click </a:t>
             </a:r>
             <a:r>
-              <a:rPr lang="fr-FR" b="1" dirty="0">
+              <a:rPr lang="en" b="1" dirty="0">
                 <a:latin typeface="Segoe UI" panose="020B0502040204020203" pitchFamily="34" charset="0"/>
                 <a:ea typeface="Calibri" panose="020F0502020204030204" pitchFamily="34" charset="0"/>
                 <a:cs typeface="Times New Roman" panose="02020603050405020304" pitchFamily="18" charset="0"/>
@@ -3987,7 +3935,7 @@
               <a:t>OK </a:t>
             </a:r>
             <a:r>
-              <a:rPr lang="fr-FR" dirty="0">
+              <a:rPr lang="en" dirty="0">
                 <a:latin typeface="Segoe UI" panose="020B0502040204020203" pitchFamily="34" charset="0"/>
                 <a:ea typeface="Calibri" panose="020F0502020204030204" pitchFamily="34" charset="0"/>
                 <a:cs typeface="Times New Roman" panose="02020603050405020304" pitchFamily="18" charset="0"/>
@@ -3995,20 +3943,20 @@
               <a:t>in the </a:t>
             </a:r>
             <a:r>
-              <a:rPr lang="fr-FR" dirty="0" err="1">
+              <a:rPr lang="en" dirty="0" err="1">
                 <a:latin typeface="Segoe UI" panose="020B0502040204020203" pitchFamily="34" charset="0"/>
                 <a:ea typeface="Calibri" panose="020F0502020204030204" pitchFamily="34" charset="0"/>
                 <a:cs typeface="Times New Roman" panose="02020603050405020304" pitchFamily="18" charset="0"/>
               </a:rPr>
-              <a:t>dialog</a:t>
-            </a:r>
-            <a:r>
-              <a:rPr lang="fr-FR" dirty="0">
+              <a:t>dialog box </a:t>
+            </a:r>
+            <a:r>
+              <a:rPr lang="en" dirty="0">
                 <a:latin typeface="Segoe UI" panose="020B0502040204020203" pitchFamily="34" charset="0"/>
                 <a:ea typeface="Calibri" panose="020F0502020204030204" pitchFamily="34" charset="0"/>
                 <a:cs typeface="Times New Roman" panose="02020603050405020304" pitchFamily="18" charset="0"/>
               </a:rPr>
-              <a:t> box.</a:t>
+              <a:t>.</a:t>
             </a:r>
             <a:endParaRPr lang="en-US" sz="1400" dirty="0">
               <a:effectLst/>
@@ -4111,18 +4059,11 @@
           <a:lstStyle/>
           <a:p>
             <a:r>
-              <a:rPr lang="en-US" sz="2400" dirty="0" smtClean="0">
+              <a:rPr lang="en" sz="2400" dirty="0" smtClean="0">
                 <a:latin typeface="Segoe UI" panose="020B0502040204020203" pitchFamily="34" charset="0"/>
                 <a:cs typeface="Segoe UI" panose="020B0502040204020203" pitchFamily="34" charset="0"/>
               </a:rPr>
-              <a:t>The </a:t>
-            </a:r>
-            <a:r>
-              <a:rPr lang="en-US" sz="2400" dirty="0" err="1" smtClean="0">
-                <a:latin typeface="Segoe UI" panose="020B0502040204020203" pitchFamily="34" charset="0"/>
-                <a:cs typeface="Segoe UI" panose="020B0502040204020203" pitchFamily="34" charset="0"/>
-              </a:rPr>
-              <a:t>ArcGis</a:t>
+              <a:t>ArcGIS</a:t>
             </a:r>
             <a:endParaRPr lang="en-US" sz="2400" dirty="0">
               <a:latin typeface="Segoe UI" panose="020B0502040204020203" pitchFamily="34" charset="0"/>
@@ -4161,7 +4102,7 @@
               </a:spcAft>
             </a:pPr>
             <a:r>
-              <a:rPr lang="fr-FR" dirty="0">
+              <a:rPr lang="en" dirty="0">
                 <a:latin typeface="Segoe UI" panose="020B0502040204020203" pitchFamily="34" charset="0"/>
                 <a:ea typeface="Calibri" panose="020F0502020204030204" pitchFamily="34" charset="0"/>
                 <a:cs typeface="Times New Roman" panose="02020603050405020304" pitchFamily="18" charset="0"/>
@@ -4169,7 +4110,7 @@
               <a:t>Click </a:t>
             </a:r>
             <a:r>
-              <a:rPr lang="fr-FR" b="1" dirty="0">
+              <a:rPr lang="en" b="1" dirty="0">
                 <a:latin typeface="Segoe UI" panose="020B0502040204020203" pitchFamily="34" charset="0"/>
                 <a:ea typeface="Calibri" panose="020F0502020204030204" pitchFamily="34" charset="0"/>
                 <a:cs typeface="Times New Roman" panose="02020603050405020304" pitchFamily="18" charset="0"/>
@@ -4177,44 +4118,44 @@
               <a:t>Edit </a:t>
             </a:r>
             <a:r>
-              <a:rPr lang="fr-FR" dirty="0" err="1">
+              <a:rPr lang="en" dirty="0" err="1">
                 <a:latin typeface="Segoe UI" panose="020B0502040204020203" pitchFamily="34" charset="0"/>
                 <a:ea typeface="Calibri" panose="020F0502020204030204" pitchFamily="34" charset="0"/>
                 <a:cs typeface="Times New Roman" panose="02020603050405020304" pitchFamily="18" charset="0"/>
               </a:rPr>
-              <a:t>just</a:t>
-            </a:r>
-            <a:r>
-              <a:rPr lang="fr-FR" dirty="0">
+              <a:t>just </a:t>
+            </a:r>
+            <a:r>
+              <a:rPr lang="en" dirty="0">
                 <a:latin typeface="Segoe UI" panose="020B0502040204020203" pitchFamily="34" charset="0"/>
                 <a:ea typeface="Calibri" panose="020F0502020204030204" pitchFamily="34" charset="0"/>
                 <a:cs typeface="Times New Roman" panose="02020603050405020304" pitchFamily="18" charset="0"/>
               </a:rPr>
-              <a:t> at the </a:t>
-            </a:r>
-            <a:r>
-              <a:rPr lang="fr-FR" dirty="0" err="1">
+              <a:t>below </a:t>
+            </a:r>
+            <a:r>
+              <a:rPr lang="en" dirty="0" err="1">
                 <a:latin typeface="Segoe UI" panose="020B0502040204020203" pitchFamily="34" charset="0"/>
                 <a:ea typeface="Calibri" panose="020F0502020204030204" pitchFamily="34" charset="0"/>
                 <a:cs typeface="Times New Roman" panose="02020603050405020304" pitchFamily="18" charset="0"/>
               </a:rPr>
-              <a:t>bottom</a:t>
-            </a:r>
-            <a:r>
-              <a:rPr lang="fr-FR" dirty="0">
+              <a:t>right </a:t>
+            </a:r>
+            <a:r>
+              <a:rPr lang="en" dirty="0">
                 <a:latin typeface="Segoe UI" panose="020B0502040204020203" pitchFamily="34" charset="0"/>
                 <a:ea typeface="Calibri" panose="020F0502020204030204" pitchFamily="34" charset="0"/>
                 <a:cs typeface="Times New Roman" panose="02020603050405020304" pitchFamily="18" charset="0"/>
               </a:rPr>
-              <a:t> right at the </a:t>
-            </a:r>
-            <a:r>
-              <a:rPr lang="fr-FR" b="1" dirty="0">
+              <a:t>in the </a:t>
+            </a:r>
+            <a:r>
+              <a:rPr lang="en" b="1" dirty="0">
                 <a:latin typeface="Segoe UI" panose="020B0502040204020203" pitchFamily="34" charset="0"/>
                 <a:ea typeface="Calibri" panose="020F0502020204030204" pitchFamily="34" charset="0"/>
                 <a:cs typeface="Times New Roman" panose="02020603050405020304" pitchFamily="18" charset="0"/>
               </a:rPr>
-              <a:t>More Options menu</a:t>
+              <a:t>More options menu</a:t>
             </a:r>
             <a:endParaRPr lang="en-US" sz="1400" dirty="0">
               <a:latin typeface="Calibri" panose="020F0502020204030204" pitchFamily="34" charset="0"/>
@@ -4232,7 +4173,7 @@
               </a:spcAft>
             </a:pPr>
             <a:r>
-              <a:rPr lang="fr-FR" dirty="0">
+              <a:rPr lang="en" dirty="0">
                 <a:latin typeface="Segoe UI" panose="020B0502040204020203" pitchFamily="34" charset="0"/>
                 <a:ea typeface="Calibri" panose="020F0502020204030204" pitchFamily="34" charset="0"/>
                 <a:cs typeface="Times New Roman" panose="02020603050405020304" pitchFamily="18" charset="0"/>
@@ -4240,31 +4181,31 @@
               <a:t>Enter the </a:t>
             </a:r>
             <a:r>
-              <a:rPr lang="fr-FR" dirty="0" err="1">
+              <a:rPr lang="en" dirty="0" err="1">
                 <a:latin typeface="Segoe UI" panose="020B0502040204020203" pitchFamily="34" charset="0"/>
                 <a:ea typeface="Calibri" panose="020F0502020204030204" pitchFamily="34" charset="0"/>
                 <a:cs typeface="Times New Roman" panose="02020603050405020304" pitchFamily="18" charset="0"/>
               </a:rPr>
-              <a:t>connection</a:t>
-            </a:r>
-            <a:r>
-              <a:rPr lang="fr-FR" dirty="0">
+              <a:t>connection settings </a:t>
+            </a:r>
+            <a:r>
+              <a:rPr lang="en" dirty="0">
                 <a:latin typeface="Segoe UI" panose="020B0502040204020203" pitchFamily="34" charset="0"/>
                 <a:ea typeface="Calibri" panose="020F0502020204030204" pitchFamily="34" charset="0"/>
                 <a:cs typeface="Times New Roman" panose="02020603050405020304" pitchFamily="18" charset="0"/>
               </a:rPr>
-              <a:t> settings and observe </a:t>
-            </a:r>
-            <a:r>
-              <a:rPr lang="fr-FR" dirty="0" err="1">
+              <a:t>and see </a:t>
+            </a:r>
+            <a:r>
+              <a:rPr lang="en" dirty="0" err="1">
                 <a:latin typeface="Segoe UI" panose="020B0502040204020203" pitchFamily="34" charset="0"/>
                 <a:ea typeface="Calibri" panose="020F0502020204030204" pitchFamily="34" charset="0"/>
                 <a:cs typeface="Times New Roman" panose="02020603050405020304" pitchFamily="18" charset="0"/>
               </a:rPr>
-              <a:t>what</a:t>
-            </a:r>
-            <a:r>
-              <a:rPr lang="fr-FR" dirty="0">
+              <a:t>what happens</a:t>
+            </a:r>
+            <a:r>
+              <a:rPr lang="en" dirty="0">
                 <a:latin typeface="Segoe UI" panose="020B0502040204020203" pitchFamily="34" charset="0"/>
                 <a:ea typeface="Calibri" panose="020F0502020204030204" pitchFamily="34" charset="0"/>
                 <a:cs typeface="Times New Roman" panose="02020603050405020304" pitchFamily="18" charset="0"/>
@@ -4272,12 +4213,12 @@
               <a:t> </a:t>
             </a:r>
             <a:r>
-              <a:rPr lang="fr-FR" dirty="0" err="1">
+              <a:rPr lang="en" dirty="0" err="1">
                 <a:latin typeface="Segoe UI" panose="020B0502040204020203" pitchFamily="34" charset="0"/>
                 <a:ea typeface="Calibri" panose="020F0502020204030204" pitchFamily="34" charset="0"/>
                 <a:cs typeface="Times New Roman" panose="02020603050405020304" pitchFamily="18" charset="0"/>
               </a:rPr>
-              <a:t>happens</a:t>
+              <a:t>it happens</a:t>
             </a:r>
             <a:endParaRPr lang="en-US" sz="1400" dirty="0">
               <a:effectLst/>
@@ -4318,71 +4259,63 @@
               </a:spcAft>
             </a:pPr>
             <a:r>
-              <a:rPr lang="fr-FR" dirty="0" err="1">
+              <a:rPr lang="en" dirty="0" err="1">
                 <a:latin typeface="Segoe UI" panose="020B0502040204020203" pitchFamily="34" charset="0"/>
                 <a:ea typeface="Calibri" panose="020F0502020204030204" pitchFamily="34" charset="0"/>
                 <a:cs typeface="Times New Roman" panose="02020603050405020304" pitchFamily="18" charset="0"/>
               </a:rPr>
-              <a:t>Then</a:t>
-            </a:r>
-            <a:r>
-              <a:rPr lang="fr-FR" dirty="0">
+              <a:t>Then </a:t>
+            </a:r>
+            <a:r>
+              <a:rPr lang="en" dirty="0">
                 <a:latin typeface="Segoe UI" panose="020B0502040204020203" pitchFamily="34" charset="0"/>
                 <a:ea typeface="Calibri" panose="020F0502020204030204" pitchFamily="34" charset="0"/>
                 <a:cs typeface="Times New Roman" panose="02020603050405020304" pitchFamily="18" charset="0"/>
               </a:rPr>
-              <a:t> enter the </a:t>
-            </a:r>
-            <a:r>
-              <a:rPr lang="fr-FR" b="1" dirty="0">
+              <a:t>enter the Location </a:t>
+            </a:r>
+            <a:r>
+              <a:rPr lang="en" b="1" dirty="0" err="1">
                 <a:latin typeface="Segoe UI" panose="020B0502040204020203" pitchFamily="34" charset="0"/>
                 <a:ea typeface="Calibri" panose="020F0502020204030204" pitchFamily="34" charset="0"/>
                 <a:cs typeface="Times New Roman" panose="02020603050405020304" pitchFamily="18" charset="0"/>
               </a:rPr>
-              <a:t>Location </a:t>
-            </a:r>
-            <a:r>
-              <a:rPr lang="fr-FR" b="1" dirty="0" err="1">
+              <a:t>field </a:t>
+            </a:r>
+            <a:r>
+              <a:rPr lang="en" b="1" dirty="0">
                 <a:latin typeface="Segoe UI" panose="020B0502040204020203" pitchFamily="34" charset="0"/>
                 <a:ea typeface="Calibri" panose="020F0502020204030204" pitchFamily="34" charset="0"/>
                 <a:cs typeface="Times New Roman" panose="02020603050405020304" pitchFamily="18" charset="0"/>
               </a:rPr>
-              <a:t>field</a:t>
-            </a:r>
-            <a:r>
-              <a:rPr lang="fr-FR" b="1" dirty="0">
+              <a:t>in the Location </a:t>
+            </a:r>
+            <a:r>
+              <a:rPr lang="en" dirty="0" err="1">
                 <a:latin typeface="Segoe UI" panose="020B0502040204020203" pitchFamily="34" charset="0"/>
                 <a:ea typeface="Calibri" panose="020F0502020204030204" pitchFamily="34" charset="0"/>
                 <a:cs typeface="Times New Roman" panose="02020603050405020304" pitchFamily="18" charset="0"/>
               </a:rPr>
-              <a:t> at the Location </a:t>
-            </a:r>
-            <a:r>
-              <a:rPr lang="fr-FR" dirty="0" err="1">
+              <a:t>setting</a:t>
+            </a:r>
+            <a:r>
+              <a:rPr lang="en" dirty="0">
                 <a:latin typeface="Segoe UI" panose="020B0502040204020203" pitchFamily="34" charset="0"/>
                 <a:ea typeface="Calibri" panose="020F0502020204030204" pitchFamily="34" charset="0"/>
                 <a:cs typeface="Times New Roman" panose="02020603050405020304" pitchFamily="18" charset="0"/>
               </a:rPr>
-              <a:t>parameter</a:t>
-            </a:r>
-            <a:r>
-              <a:rPr lang="fr-FR" dirty="0">
+              <a:t> </a:t>
+            </a:r>
+            <a:r>
+              <a:rPr lang="en" dirty="0" err="1">
                 <a:latin typeface="Segoe UI" panose="020B0502040204020203" pitchFamily="34" charset="0"/>
                 <a:ea typeface="Calibri" panose="020F0502020204030204" pitchFamily="34" charset="0"/>
                 <a:cs typeface="Times New Roman" panose="02020603050405020304" pitchFamily="18" charset="0"/>
               </a:rPr>
-              <a:t> </a:t>
-            </a:r>
-            <a:r>
-              <a:rPr lang="fr-FR" dirty="0" err="1">
-                <a:latin typeface="Segoe UI" panose="020B0502040204020203" pitchFamily="34" charset="0"/>
-                <a:ea typeface="Calibri" panose="020F0502020204030204" pitchFamily="34" charset="0"/>
-                <a:cs typeface="Times New Roman" panose="02020603050405020304" pitchFamily="18" charset="0"/>
-              </a:rPr>
               <a:t>level</a:t>
             </a:r>
             <a:r>
-              <a:rPr lang="fr-FR" dirty="0">
+              <a:rPr lang="en" dirty="0">
                 <a:latin typeface="Segoe UI" panose="020B0502040204020203" pitchFamily="34" charset="0"/>
                 <a:ea typeface="Calibri" panose="020F0502020204030204" pitchFamily="34" charset="0"/>
                 <a:cs typeface="Times New Roman" panose="02020603050405020304" pitchFamily="18" charset="0"/>
@@ -4490,18 +4423,11 @@
           <a:lstStyle/>
           <a:p>
             <a:r>
-              <a:rPr lang="en-US" sz="2400" dirty="0" smtClean="0">
+              <a:rPr lang="en" sz="2400" dirty="0" smtClean="0">
                 <a:latin typeface="Segoe UI" panose="020B0502040204020203" pitchFamily="34" charset="0"/>
                 <a:cs typeface="Segoe UI" panose="020B0502040204020203" pitchFamily="34" charset="0"/>
               </a:rPr>
-              <a:t>The </a:t>
-            </a:r>
-            <a:r>
-              <a:rPr lang="en-US" sz="2400" dirty="0" err="1" smtClean="0">
-                <a:latin typeface="Segoe UI" panose="020B0502040204020203" pitchFamily="34" charset="0"/>
-                <a:cs typeface="Segoe UI" panose="020B0502040204020203" pitchFamily="34" charset="0"/>
-              </a:rPr>
-              <a:t>ArcGis</a:t>
+              <a:t>ArcGIS</a:t>
             </a:r>
             <a:endParaRPr lang="en-US" sz="2400" dirty="0">
               <a:latin typeface="Segoe UI" panose="020B0502040204020203" pitchFamily="34" charset="0"/>
@@ -4540,15 +4466,15 @@
               </a:spcAft>
             </a:pPr>
             <a:r>
-              <a:rPr lang="fr-FR" dirty="0">
+              <a:rPr lang="en" dirty="0">
                 <a:latin typeface="Segoe UI" panose="020B0502040204020203" pitchFamily="34" charset="0"/>
                 <a:ea typeface="Calibri" panose="020F0502020204030204" pitchFamily="34" charset="0"/>
                 <a:cs typeface="Times New Roman" panose="02020603050405020304" pitchFamily="18" charset="0"/>
               </a:rPr>
-              <a:t>At the </a:t>
-            </a:r>
-            <a:r>
-              <a:rPr lang="fr-FR" b="1" dirty="0">
+              <a:t>In the </a:t>
+            </a:r>
+            <a:r>
+              <a:rPr lang="en" b="1" dirty="0">
                 <a:latin typeface="Segoe UI" panose="020B0502040204020203" pitchFamily="34" charset="0"/>
                 <a:ea typeface="Calibri" panose="020F0502020204030204" pitchFamily="34" charset="0"/>
                 <a:cs typeface="Times New Roman" panose="02020603050405020304" pitchFamily="18" charset="0"/>
@@ -4556,44 +4482,36 @@
               <a:t>Size </a:t>
             </a:r>
             <a:r>
-              <a:rPr lang="fr-FR" b="1" dirty="0" err="1">
+              <a:rPr lang="en" b="1" dirty="0" err="1">
                 <a:latin typeface="Segoe UI" panose="020B0502040204020203" pitchFamily="34" charset="0"/>
                 <a:ea typeface="Calibri" panose="020F0502020204030204" pitchFamily="34" charset="0"/>
                 <a:cs typeface="Times New Roman" panose="02020603050405020304" pitchFamily="18" charset="0"/>
               </a:rPr>
-              <a:t>parameter</a:t>
-            </a:r>
-            <a:r>
-              <a:rPr lang="fr-FR" b="1" dirty="0">
+              <a:t>parameter </a:t>
+            </a:r>
+            <a:r>
+              <a:rPr lang="en" dirty="0">
                 <a:latin typeface="Segoe UI" panose="020B0502040204020203" pitchFamily="34" charset="0"/>
                 <a:ea typeface="Calibri" panose="020F0502020204030204" pitchFamily="34" charset="0"/>
                 <a:cs typeface="Times New Roman" panose="02020603050405020304" pitchFamily="18" charset="0"/>
               </a:rPr>
-              <a:t> </a:t>
-            </a:r>
-            <a:r>
-              <a:rPr lang="fr-FR" dirty="0">
+              <a:t>enter the </a:t>
+            </a:r>
+            <a:r>
+              <a:rPr lang="en" dirty="0" err="1">
                 <a:latin typeface="Segoe UI" panose="020B0502040204020203" pitchFamily="34" charset="0"/>
                 <a:ea typeface="Calibri" panose="020F0502020204030204" pitchFamily="34" charset="0"/>
                 <a:cs typeface="Times New Roman" panose="02020603050405020304" pitchFamily="18" charset="0"/>
               </a:rPr>
-              <a:t>enter the </a:t>
-            </a:r>
-            <a:r>
-              <a:rPr lang="fr-FR" dirty="0" err="1">
+              <a:t>average </a:t>
+            </a:r>
+            <a:r>
+              <a:rPr lang="en" dirty="0">
                 <a:latin typeface="Segoe UI" panose="020B0502040204020203" pitchFamily="34" charset="0"/>
                 <a:ea typeface="Calibri" panose="020F0502020204030204" pitchFamily="34" charset="0"/>
                 <a:cs typeface="Times New Roman" panose="02020603050405020304" pitchFamily="18" charset="0"/>
               </a:rPr>
-              <a:t>average</a:t>
-            </a:r>
-            <a:r>
-              <a:rPr lang="fr-FR" dirty="0">
-                <a:latin typeface="Segoe UI" panose="020B0502040204020203" pitchFamily="34" charset="0"/>
-                <a:ea typeface="Calibri" panose="020F0502020204030204" pitchFamily="34" charset="0"/>
-                <a:cs typeface="Times New Roman" panose="02020603050405020304" pitchFamily="18" charset="0"/>
-              </a:rPr>
-              <a:t> value of the profit and observe the change</a:t>
+              <a:t>profit value and observe the change</a:t>
             </a:r>
             <a:endParaRPr lang="en-US" sz="1400" dirty="0">
               <a:effectLst/>
@@ -4673,23 +4591,23 @@
               </a:spcAft>
             </a:pPr>
             <a:r>
-              <a:rPr lang="fr-FR" dirty="0" err="1">
+              <a:rPr lang="en" dirty="0" err="1">
                 <a:latin typeface="Segoe UI" panose="020B0502040204020203" pitchFamily="34" charset="0"/>
                 <a:ea typeface="Calibri" panose="020F0502020204030204" pitchFamily="34" charset="0"/>
                 <a:cs typeface="Times New Roman" panose="02020603050405020304" pitchFamily="18" charset="0"/>
               </a:rPr>
-              <a:t>Add</a:t>
-            </a:r>
-            <a:r>
-              <a:rPr lang="fr-FR" dirty="0">
+              <a:t>Add </a:t>
+            </a:r>
+            <a:r>
+              <a:rPr lang="en" dirty="0">
                 <a:latin typeface="Segoe UI" panose="020B0502040204020203" pitchFamily="34" charset="0"/>
                 <a:ea typeface="Calibri" panose="020F0502020204030204" pitchFamily="34" charset="0"/>
                 <a:cs typeface="Times New Roman" panose="02020603050405020304" pitchFamily="18" charset="0"/>
               </a:rPr>
-              <a:t> the </a:t>
-            </a:r>
-            <a:r>
-              <a:rPr lang="fr-FR" b="1" dirty="0">
+              <a:t>the </a:t>
+            </a:r>
+            <a:r>
+              <a:rPr lang="en" b="1" dirty="0">
                 <a:latin typeface="Segoe UI" panose="020B0502040204020203" pitchFamily="34" charset="0"/>
                 <a:ea typeface="Calibri" panose="020F0502020204030204" pitchFamily="34" charset="0"/>
                 <a:cs typeface="Times New Roman" panose="02020603050405020304" pitchFamily="18" charset="0"/>
@@ -4697,47 +4615,31 @@
               <a:t>City </a:t>
             </a:r>
             <a:r>
-              <a:rPr lang="fr-FR" b="1" dirty="0" err="1">
+              <a:rPr lang="en" b="1" dirty="0" err="1">
                 <a:latin typeface="Segoe UI" panose="020B0502040204020203" pitchFamily="34" charset="0"/>
                 <a:ea typeface="Calibri" panose="020F0502020204030204" pitchFamily="34" charset="0"/>
                 <a:cs typeface="Times New Roman" panose="02020603050405020304" pitchFamily="18" charset="0"/>
               </a:rPr>
-              <a:t>field</a:t>
-            </a:r>
-            <a:r>
-              <a:rPr lang="fr-FR" b="1" dirty="0">
+              <a:t>field to Tootip</a:t>
+            </a:r>
+            <a:r>
+              <a:rPr lang="en" b="1" dirty="0">
                 <a:latin typeface="Segoe UI" panose="020B0502040204020203" pitchFamily="34" charset="0"/>
                 <a:ea typeface="Calibri" panose="020F0502020204030204" pitchFamily="34" charset="0"/>
                 <a:cs typeface="Times New Roman" panose="02020603050405020304" pitchFamily="18" charset="0"/>
               </a:rPr>
-              <a:t> to the </a:t>
-            </a:r>
-            <a:r>
-              <a:rPr lang="fr-FR" b="1" dirty="0" err="1">
+              <a:t> </a:t>
+            </a:r>
+            <a:r>
+              <a:rPr lang="en" b="1" dirty="0" err="1">
                 <a:latin typeface="Segoe UI" panose="020B0502040204020203" pitchFamily="34" charset="0"/>
                 <a:ea typeface="Calibri" panose="020F0502020204030204" pitchFamily="34" charset="0"/>
                 <a:cs typeface="Times New Roman" panose="02020603050405020304" pitchFamily="18" charset="0"/>
               </a:rPr>
-              <a:t>Tootip</a:t>
-            </a:r>
-            <a:r>
-              <a:rPr lang="fr-FR" b="1" dirty="0">
-                <a:latin typeface="Segoe UI" panose="020B0502040204020203" pitchFamily="34" charset="0"/>
-                <a:ea typeface="Calibri" panose="020F0502020204030204" pitchFamily="34" charset="0"/>
-                <a:cs typeface="Times New Roman" panose="02020603050405020304" pitchFamily="18" charset="0"/>
-              </a:rPr>
-              <a:t> </a:t>
-            </a:r>
-            <a:r>
-              <a:rPr lang="fr-FR" b="1" dirty="0" err="1">
-                <a:latin typeface="Segoe UI" panose="020B0502040204020203" pitchFamily="34" charset="0"/>
-                <a:ea typeface="Calibri" panose="020F0502020204030204" pitchFamily="34" charset="0"/>
-                <a:cs typeface="Times New Roman" panose="02020603050405020304" pitchFamily="18" charset="0"/>
-              </a:rPr>
-              <a:t>parameter</a:t>
-            </a:r>
-            <a:r>
-              <a:rPr lang="fr-FR" dirty="0">
+              <a:t>setting</a:t>
+            </a:r>
+            <a:r>
+              <a:rPr lang="en" dirty="0">
                 <a:latin typeface="Segoe UI" panose="020B0502040204020203" pitchFamily="34" charset="0"/>
                 <a:ea typeface="Calibri" panose="020F0502020204030204" pitchFamily="34" charset="0"/>
                 <a:cs typeface="Times New Roman" panose="02020603050405020304" pitchFamily="18" charset="0"/>
@@ -4838,8 +4740,8 @@
         </p:nvSpPr>
         <p:spPr>
           <a:xfrm>
-            <a:off x="2916199" y="2162433"/>
-            <a:ext cx="6230360" cy="1569660"/>
+            <a:off x="2496812" y="2389314"/>
+            <a:ext cx="6772175" cy="1569660"/>
           </a:xfrm>
           <a:prstGeom prst="rect">
             <a:avLst/>
@@ -4861,7 +4763,7 @@
                 <a:ea typeface="Verdana" panose="020B0604030504040204" pitchFamily="34" charset="0"/>
                 <a:cs typeface="Segoe UI" panose="020B0502040204020203" pitchFamily="34" charset="0"/>
               </a:rPr>
-              <a:t>Thank you</a:t>
+              <a:t>Thanks you</a:t>
             </a:r>
             <a:endParaRPr lang="en-US" sz="9600" b="1" dirty="0">
               <a:solidFill>
@@ -4882,8 +4784,8 @@
         </p:nvSpPr>
         <p:spPr>
           <a:xfrm>
-            <a:off x="2990336" y="2217861"/>
-            <a:ext cx="6230360" cy="1569660"/>
+            <a:off x="2570949" y="2444742"/>
+            <a:ext cx="6772175" cy="1569660"/>
           </a:xfrm>
           <a:prstGeom prst="rect">
             <a:avLst/>
@@ -4905,7 +4807,7 @@
                 <a:ea typeface="Verdana" panose="020B0604030504040204" pitchFamily="34" charset="0"/>
                 <a:cs typeface="Segoe UI" panose="020B0502040204020203" pitchFamily="34" charset="0"/>
               </a:rPr>
-              <a:t>Thank you</a:t>
+              <a:t>Thanks you</a:t>
             </a:r>
             <a:endParaRPr lang="en-US" sz="9600" b="1" dirty="0">
               <a:solidFill>

--- a/English/6.Visuals/12.The ArcGis .pptx
+++ b/English/6.Visuals/12.The ArcGis .pptx
@@ -202,7 +202,7 @@
           <a:p>
             <a:fld id="{056BA3B8-9F76-4D81-B71D-76CB85363062}" type="datetimeFigureOut">
               <a:rPr lang="en-US" smtClean="0"/>
-              <a:t>4/3/2025</a:t>
+              <a:t>4/5/2025</a:t>
             </a:fld>
             <a:endParaRPr lang="en-US"/>
           </a:p>
@@ -601,7 +601,7 @@
           <a:p>
             <a:fld id="{6F01DA4D-20EA-48D2-973C-0311EC3005D6}" type="datetimeFigureOut">
               <a:rPr lang="en-US" smtClean="0"/>
-              <a:t>4/3/2025</a:t>
+              <a:t>4/5/2025</a:t>
             </a:fld>
             <a:endParaRPr lang="en-US"/>
           </a:p>
@@ -771,7 +771,7 @@
           <a:p>
             <a:fld id="{6F01DA4D-20EA-48D2-973C-0311EC3005D6}" type="datetimeFigureOut">
               <a:rPr lang="en-US" smtClean="0"/>
-              <a:t>4/3/2025</a:t>
+              <a:t>4/5/2025</a:t>
             </a:fld>
             <a:endParaRPr lang="en-US"/>
           </a:p>
@@ -951,7 +951,7 @@
           <a:p>
             <a:fld id="{6F01DA4D-20EA-48D2-973C-0311EC3005D6}" type="datetimeFigureOut">
               <a:rPr lang="en-US" smtClean="0"/>
-              <a:t>4/3/2025</a:t>
+              <a:t>4/5/2025</a:t>
             </a:fld>
             <a:endParaRPr lang="en-US"/>
           </a:p>
@@ -1121,7 +1121,7 @@
           <a:p>
             <a:fld id="{6F01DA4D-20EA-48D2-973C-0311EC3005D6}" type="datetimeFigureOut">
               <a:rPr lang="en-US" smtClean="0"/>
-              <a:t>4/3/2025</a:t>
+              <a:t>4/5/2025</a:t>
             </a:fld>
             <a:endParaRPr lang="en-US"/>
           </a:p>
@@ -1367,7 +1367,7 @@
           <a:p>
             <a:fld id="{6F01DA4D-20EA-48D2-973C-0311EC3005D6}" type="datetimeFigureOut">
               <a:rPr lang="en-US" smtClean="0"/>
-              <a:t>4/3/2025</a:t>
+              <a:t>4/5/2025</a:t>
             </a:fld>
             <a:endParaRPr lang="en-US"/>
           </a:p>
@@ -1599,7 +1599,7 @@
           <a:p>
             <a:fld id="{6F01DA4D-20EA-48D2-973C-0311EC3005D6}" type="datetimeFigureOut">
               <a:rPr lang="en-US" smtClean="0"/>
-              <a:t>4/3/2025</a:t>
+              <a:t>4/5/2025</a:t>
             </a:fld>
             <a:endParaRPr lang="en-US"/>
           </a:p>
@@ -1966,7 +1966,7 @@
           <a:p>
             <a:fld id="{6F01DA4D-20EA-48D2-973C-0311EC3005D6}" type="datetimeFigureOut">
               <a:rPr lang="en-US" smtClean="0"/>
-              <a:t>4/3/2025</a:t>
+              <a:t>4/5/2025</a:t>
             </a:fld>
             <a:endParaRPr lang="en-US"/>
           </a:p>
@@ -2084,7 +2084,7 @@
           <a:p>
             <a:fld id="{6F01DA4D-20EA-48D2-973C-0311EC3005D6}" type="datetimeFigureOut">
               <a:rPr lang="en-US" smtClean="0"/>
-              <a:t>4/3/2025</a:t>
+              <a:t>4/5/2025</a:t>
             </a:fld>
             <a:endParaRPr lang="en-US"/>
           </a:p>
@@ -2179,7 +2179,7 @@
           <a:p>
             <a:fld id="{6F01DA4D-20EA-48D2-973C-0311EC3005D6}" type="datetimeFigureOut">
               <a:rPr lang="en-US" smtClean="0"/>
-              <a:t>4/3/2025</a:t>
+              <a:t>4/5/2025</a:t>
             </a:fld>
             <a:endParaRPr lang="en-US"/>
           </a:p>
@@ -2456,7 +2456,7 @@
           <a:p>
             <a:fld id="{6F01DA4D-20EA-48D2-973C-0311EC3005D6}" type="datetimeFigureOut">
               <a:rPr lang="en-US" smtClean="0"/>
-              <a:t>4/3/2025</a:t>
+              <a:t>4/5/2025</a:t>
             </a:fld>
             <a:endParaRPr lang="en-US"/>
           </a:p>
@@ -2709,7 +2709,7 @@
           <a:p>
             <a:fld id="{6F01DA4D-20EA-48D2-973C-0311EC3005D6}" type="datetimeFigureOut">
               <a:rPr lang="en-US" smtClean="0"/>
-              <a:t>4/3/2025</a:t>
+              <a:t>4/5/2025</a:t>
             </a:fld>
             <a:endParaRPr lang="en-US"/>
           </a:p>
@@ -2922,7 +2922,7 @@
           <a:p>
             <a:fld id="{6F01DA4D-20EA-48D2-973C-0311EC3005D6}" type="datetimeFigureOut">
               <a:rPr lang="en-US" smtClean="0"/>
-              <a:t>4/3/2025</a:t>
+              <a:t>4/5/2025</a:t>
             </a:fld>
             <a:endParaRPr lang="en-US"/>
           </a:p>
